--- a/Fihirana Fanampiny/FF 34.pptx
+++ b/Fihirana Fanampiny/FF 34.pptx
@@ -113,6 +113,22 @@
       </a:defRPr>
     </a:lvl9pPr>
   </p:defaultTextStyle>
+  <p:extLst>
+    <p:ext uri="{EFAFB233-063F-42B5-8137-9DF3F51BA10A}">
+      <p15:sldGuideLst xmlns:p15="http://schemas.microsoft.com/office/powerpoint/2012/main">
+        <p15:guide id="1" orient="horz" pos="2160">
+          <p15:clr>
+            <a:srgbClr val="A4A3A4"/>
+          </p15:clr>
+        </p15:guide>
+        <p15:guide id="2" pos="3840">
+          <p15:clr>
+            <a:srgbClr val="A4A3A4"/>
+          </p15:clr>
+        </p15:guide>
+      </p15:sldGuideLst>
+    </p:ext>
+  </p:extLst>
 </p:presentation>
 </file>
 
@@ -248,7 +264,7 @@
             <a:fld id="{634753CA-CD39-46AB-8077-0775A81304E6}" type="datetimeFigureOut">
               <a:rPr lang="fr-FR" smtClean="0"/>
               <a:pPr/>
-              <a:t>07/10/2018</a:t>
+              <a:t>23/03/2025</a:t>
             </a:fld>
             <a:endParaRPr lang="fr-FR"/>
           </a:p>
@@ -300,7 +316,7 @@
     </p:spTree>
     <p:extLst>
       <p:ext uri="{BB962C8B-B14F-4D97-AF65-F5344CB8AC3E}">
-        <p14:creationId xmlns:p14="http://schemas.microsoft.com/office/powerpoint/2010/main" xmlns="" val="2490631288"/>
+        <p14:creationId xmlns:p14="http://schemas.microsoft.com/office/powerpoint/2010/main" val="2490631288"/>
       </p:ext>
     </p:extLst>
   </p:cSld>
@@ -420,7 +436,7 @@
             <a:fld id="{634753CA-CD39-46AB-8077-0775A81304E6}" type="datetimeFigureOut">
               <a:rPr lang="fr-FR" smtClean="0"/>
               <a:pPr/>
-              <a:t>07/10/2018</a:t>
+              <a:t>23/03/2025</a:t>
             </a:fld>
             <a:endParaRPr lang="fr-FR"/>
           </a:p>
@@ -472,7 +488,7 @@
     </p:spTree>
     <p:extLst>
       <p:ext uri="{BB962C8B-B14F-4D97-AF65-F5344CB8AC3E}">
-        <p14:creationId xmlns:p14="http://schemas.microsoft.com/office/powerpoint/2010/main" xmlns="" val="1712663526"/>
+        <p14:creationId xmlns:p14="http://schemas.microsoft.com/office/powerpoint/2010/main" val="1712663526"/>
       </p:ext>
     </p:extLst>
   </p:cSld>
@@ -602,7 +618,7 @@
             <a:fld id="{634753CA-CD39-46AB-8077-0775A81304E6}" type="datetimeFigureOut">
               <a:rPr lang="fr-FR" smtClean="0"/>
               <a:pPr/>
-              <a:t>07/10/2018</a:t>
+              <a:t>23/03/2025</a:t>
             </a:fld>
             <a:endParaRPr lang="fr-FR"/>
           </a:p>
@@ -654,7 +670,7 @@
     </p:spTree>
     <p:extLst>
       <p:ext uri="{BB962C8B-B14F-4D97-AF65-F5344CB8AC3E}">
-        <p14:creationId xmlns:p14="http://schemas.microsoft.com/office/powerpoint/2010/main" xmlns="" val="1377371647"/>
+        <p14:creationId xmlns:p14="http://schemas.microsoft.com/office/powerpoint/2010/main" val="1377371647"/>
       </p:ext>
     </p:extLst>
   </p:cSld>
@@ -774,7 +790,7 @@
             <a:fld id="{634753CA-CD39-46AB-8077-0775A81304E6}" type="datetimeFigureOut">
               <a:rPr lang="fr-FR" smtClean="0"/>
               <a:pPr/>
-              <a:t>07/10/2018</a:t>
+              <a:t>23/03/2025</a:t>
             </a:fld>
             <a:endParaRPr lang="fr-FR"/>
           </a:p>
@@ -826,7 +842,7 @@
     </p:spTree>
     <p:extLst>
       <p:ext uri="{BB962C8B-B14F-4D97-AF65-F5344CB8AC3E}">
-        <p14:creationId xmlns:p14="http://schemas.microsoft.com/office/powerpoint/2010/main" xmlns="" val="4227245619"/>
+        <p14:creationId xmlns:p14="http://schemas.microsoft.com/office/powerpoint/2010/main" val="4227245619"/>
       </p:ext>
     </p:extLst>
   </p:cSld>
@@ -1022,7 +1038,7 @@
             <a:fld id="{634753CA-CD39-46AB-8077-0775A81304E6}" type="datetimeFigureOut">
               <a:rPr lang="fr-FR" smtClean="0"/>
               <a:pPr/>
-              <a:t>07/10/2018</a:t>
+              <a:t>23/03/2025</a:t>
             </a:fld>
             <a:endParaRPr lang="fr-FR"/>
           </a:p>
@@ -1074,7 +1090,7 @@
     </p:spTree>
     <p:extLst>
       <p:ext uri="{BB962C8B-B14F-4D97-AF65-F5344CB8AC3E}">
-        <p14:creationId xmlns:p14="http://schemas.microsoft.com/office/powerpoint/2010/main" xmlns="" val="930544957"/>
+        <p14:creationId xmlns:p14="http://schemas.microsoft.com/office/powerpoint/2010/main" val="930544957"/>
       </p:ext>
     </p:extLst>
   </p:cSld>
@@ -1256,7 +1272,7 @@
             <a:fld id="{634753CA-CD39-46AB-8077-0775A81304E6}" type="datetimeFigureOut">
               <a:rPr lang="fr-FR" smtClean="0"/>
               <a:pPr/>
-              <a:t>07/10/2018</a:t>
+              <a:t>23/03/2025</a:t>
             </a:fld>
             <a:endParaRPr lang="fr-FR"/>
           </a:p>
@@ -1308,7 +1324,7 @@
     </p:spTree>
     <p:extLst>
       <p:ext uri="{BB962C8B-B14F-4D97-AF65-F5344CB8AC3E}">
-        <p14:creationId xmlns:p14="http://schemas.microsoft.com/office/powerpoint/2010/main" xmlns="" val="35374246"/>
+        <p14:creationId xmlns:p14="http://schemas.microsoft.com/office/powerpoint/2010/main" val="35374246"/>
       </p:ext>
     </p:extLst>
   </p:cSld>
@@ -1625,7 +1641,7 @@
             <a:fld id="{634753CA-CD39-46AB-8077-0775A81304E6}" type="datetimeFigureOut">
               <a:rPr lang="fr-FR" smtClean="0"/>
               <a:pPr/>
-              <a:t>07/10/2018</a:t>
+              <a:t>23/03/2025</a:t>
             </a:fld>
             <a:endParaRPr lang="fr-FR"/>
           </a:p>
@@ -1677,7 +1693,7 @@
     </p:spTree>
     <p:extLst>
       <p:ext uri="{BB962C8B-B14F-4D97-AF65-F5344CB8AC3E}">
-        <p14:creationId xmlns:p14="http://schemas.microsoft.com/office/powerpoint/2010/main" xmlns="" val="1516795695"/>
+        <p14:creationId xmlns:p14="http://schemas.microsoft.com/office/powerpoint/2010/main" val="1516795695"/>
       </p:ext>
     </p:extLst>
   </p:cSld>
@@ -1745,7 +1761,7 @@
             <a:fld id="{634753CA-CD39-46AB-8077-0775A81304E6}" type="datetimeFigureOut">
               <a:rPr lang="fr-FR" smtClean="0"/>
               <a:pPr/>
-              <a:t>07/10/2018</a:t>
+              <a:t>23/03/2025</a:t>
             </a:fld>
             <a:endParaRPr lang="fr-FR"/>
           </a:p>
@@ -1797,7 +1813,7 @@
     </p:spTree>
     <p:extLst>
       <p:ext uri="{BB962C8B-B14F-4D97-AF65-F5344CB8AC3E}">
-        <p14:creationId xmlns:p14="http://schemas.microsoft.com/office/powerpoint/2010/main" xmlns="" val="1745398143"/>
+        <p14:creationId xmlns:p14="http://schemas.microsoft.com/office/powerpoint/2010/main" val="1745398143"/>
       </p:ext>
     </p:extLst>
   </p:cSld>
@@ -1842,7 +1858,7 @@
             <a:fld id="{634753CA-CD39-46AB-8077-0775A81304E6}" type="datetimeFigureOut">
               <a:rPr lang="fr-FR" smtClean="0"/>
               <a:pPr/>
-              <a:t>07/10/2018</a:t>
+              <a:t>23/03/2025</a:t>
             </a:fld>
             <a:endParaRPr lang="fr-FR"/>
           </a:p>
@@ -1894,7 +1910,7 @@
     </p:spTree>
     <p:extLst>
       <p:ext uri="{BB962C8B-B14F-4D97-AF65-F5344CB8AC3E}">
-        <p14:creationId xmlns:p14="http://schemas.microsoft.com/office/powerpoint/2010/main" xmlns="" val="2891752669"/>
+        <p14:creationId xmlns:p14="http://schemas.microsoft.com/office/powerpoint/2010/main" val="2891752669"/>
       </p:ext>
     </p:extLst>
   </p:cSld>
@@ -2121,7 +2137,7 @@
             <a:fld id="{634753CA-CD39-46AB-8077-0775A81304E6}" type="datetimeFigureOut">
               <a:rPr lang="fr-FR" smtClean="0"/>
               <a:pPr/>
-              <a:t>07/10/2018</a:t>
+              <a:t>23/03/2025</a:t>
             </a:fld>
             <a:endParaRPr lang="fr-FR"/>
           </a:p>
@@ -2173,7 +2189,7 @@
     </p:spTree>
     <p:extLst>
       <p:ext uri="{BB962C8B-B14F-4D97-AF65-F5344CB8AC3E}">
-        <p14:creationId xmlns:p14="http://schemas.microsoft.com/office/powerpoint/2010/main" xmlns="" val="4179957127"/>
+        <p14:creationId xmlns:p14="http://schemas.microsoft.com/office/powerpoint/2010/main" val="4179957127"/>
       </p:ext>
     </p:extLst>
   </p:cSld>
@@ -2376,7 +2392,7 @@
             <a:fld id="{634753CA-CD39-46AB-8077-0775A81304E6}" type="datetimeFigureOut">
               <a:rPr lang="fr-FR" smtClean="0"/>
               <a:pPr/>
-              <a:t>07/10/2018</a:t>
+              <a:t>23/03/2025</a:t>
             </a:fld>
             <a:endParaRPr lang="fr-FR"/>
           </a:p>
@@ -2428,7 +2444,7 @@
     </p:spTree>
     <p:extLst>
       <p:ext uri="{BB962C8B-B14F-4D97-AF65-F5344CB8AC3E}">
-        <p14:creationId xmlns:p14="http://schemas.microsoft.com/office/powerpoint/2010/main" xmlns="" val="17630235"/>
+        <p14:creationId xmlns:p14="http://schemas.microsoft.com/office/powerpoint/2010/main" val="17630235"/>
       </p:ext>
     </p:extLst>
   </p:cSld>
@@ -2591,7 +2607,7 @@
             <a:fld id="{634753CA-CD39-46AB-8077-0775A81304E6}" type="datetimeFigureOut">
               <a:rPr lang="fr-FR" smtClean="0"/>
               <a:pPr/>
-              <a:t>07/10/2018</a:t>
+              <a:t>23/03/2025</a:t>
             </a:fld>
             <a:endParaRPr lang="fr-FR"/>
           </a:p>
@@ -2679,7 +2695,7 @@
     </p:spTree>
     <p:extLst>
       <p:ext uri="{BB962C8B-B14F-4D97-AF65-F5344CB8AC3E}">
-        <p14:creationId xmlns:p14="http://schemas.microsoft.com/office/powerpoint/2010/main" xmlns="" val="4096383849"/>
+        <p14:creationId xmlns:p14="http://schemas.microsoft.com/office/powerpoint/2010/main" val="4096383849"/>
       </p:ext>
     </p:extLst>
   </p:cSld>
@@ -3082,7 +3098,7 @@
     </p:spTree>
     <p:extLst>
       <p:ext uri="{BB962C8B-B14F-4D97-AF65-F5344CB8AC3E}">
-        <p14:creationId xmlns:p14="http://schemas.microsoft.com/office/powerpoint/2010/main" xmlns="" val="1691741763"/>
+        <p14:creationId xmlns:p14="http://schemas.microsoft.com/office/powerpoint/2010/main" val="1691741763"/>
       </p:ext>
     </p:extLst>
   </p:cSld>
@@ -3317,7 +3333,7 @@
     </p:spTree>
     <p:extLst>
       <p:ext uri="{BB962C8B-B14F-4D97-AF65-F5344CB8AC3E}">
-        <p14:creationId xmlns:p14="http://schemas.microsoft.com/office/powerpoint/2010/main" xmlns="" val="1767854804"/>
+        <p14:creationId xmlns:p14="http://schemas.microsoft.com/office/powerpoint/2010/main" val="1767854804"/>
       </p:ext>
     </p:extLst>
   </p:cSld>
@@ -3359,7 +3375,7 @@
         </p:nvSpPr>
         <p:spPr>
           <a:xfrm>
-            <a:off x="0" y="822960"/>
+            <a:off x="0" y="590946"/>
             <a:ext cx="12192000" cy="5632311"/>
           </a:xfrm>
           <a:prstGeom prst="rect">
@@ -3717,7 +3733,7 @@
     </p:spTree>
     <p:extLst>
       <p:ext uri="{BB962C8B-B14F-4D97-AF65-F5344CB8AC3E}">
-        <p14:creationId xmlns:p14="http://schemas.microsoft.com/office/powerpoint/2010/main" xmlns="" val="3383886091"/>
+        <p14:creationId xmlns:p14="http://schemas.microsoft.com/office/powerpoint/2010/main" val="3383886091"/>
       </p:ext>
     </p:extLst>
   </p:cSld>
@@ -3954,7 +3970,7 @@
     </p:spTree>
     <p:extLst>
       <p:ext uri="{BB962C8B-B14F-4D97-AF65-F5344CB8AC3E}">
-        <p14:creationId xmlns:p14="http://schemas.microsoft.com/office/powerpoint/2010/main" xmlns="" val="3611586912"/>
+        <p14:creationId xmlns:p14="http://schemas.microsoft.com/office/powerpoint/2010/main" val="3611586912"/>
       </p:ext>
     </p:extLst>
   </p:cSld>
@@ -4196,7 +4212,7 @@
     </p:spTree>
     <p:extLst>
       <p:ext uri="{BB962C8B-B14F-4D97-AF65-F5344CB8AC3E}">
-        <p14:creationId xmlns:p14="http://schemas.microsoft.com/office/powerpoint/2010/main" xmlns="" val="2915512014"/>
+        <p14:creationId xmlns:p14="http://schemas.microsoft.com/office/powerpoint/2010/main" val="2915512014"/>
       </p:ext>
     </p:extLst>
   </p:cSld>
@@ -4553,7 +4569,7 @@
     </p:spTree>
     <p:extLst>
       <p:ext uri="{BB962C8B-B14F-4D97-AF65-F5344CB8AC3E}">
-        <p14:creationId xmlns:p14="http://schemas.microsoft.com/office/powerpoint/2010/main" xmlns="" val="2790207584"/>
+        <p14:creationId xmlns:p14="http://schemas.microsoft.com/office/powerpoint/2010/main" val="2790207584"/>
       </p:ext>
     </p:extLst>
   </p:cSld>
@@ -4790,13 +4806,20 @@
     </p:spTree>
     <p:extLst>
       <p:ext uri="{BB962C8B-B14F-4D97-AF65-F5344CB8AC3E}">
-        <p14:creationId xmlns:p14="http://schemas.microsoft.com/office/powerpoint/2010/main" xmlns="" val="3405399827"/>
+        <p14:creationId xmlns:p14="http://schemas.microsoft.com/office/powerpoint/2010/main" val="3405399827"/>
       </p:ext>
     </p:extLst>
   </p:cSld>
   <p:clrMapOvr>
     <a:masterClrMapping/>
   </p:clrMapOvr>
+  <p:timing>
+    <p:tnLst>
+      <p:par>
+        <p:cTn id="1" dur="indefinite" restart="never" nodeType="tmRoot"/>
+      </p:par>
+    </p:tnLst>
+  </p:timing>
 </p:sld>
 </file>
 
@@ -5025,13 +5048,20 @@
     </p:spTree>
     <p:extLst>
       <p:ext uri="{BB962C8B-B14F-4D97-AF65-F5344CB8AC3E}">
-        <p14:creationId xmlns:p14="http://schemas.microsoft.com/office/powerpoint/2010/main" xmlns="" val="329850344"/>
+        <p14:creationId xmlns:p14="http://schemas.microsoft.com/office/powerpoint/2010/main" val="329850344"/>
       </p:ext>
     </p:extLst>
   </p:cSld>
   <p:clrMapOvr>
     <a:masterClrMapping/>
   </p:clrMapOvr>
+  <p:timing>
+    <p:tnLst>
+      <p:par>
+        <p:cTn id="1" dur="indefinite" restart="never" nodeType="tmRoot"/>
+      </p:par>
+    </p:tnLst>
+  </p:timing>
 </p:sld>
 </file>
 
@@ -5418,7 +5448,7 @@
     </p:spTree>
     <p:extLst>
       <p:ext uri="{BB962C8B-B14F-4D97-AF65-F5344CB8AC3E}">
-        <p14:creationId xmlns:p14="http://schemas.microsoft.com/office/powerpoint/2010/main" xmlns="" val="2479623450"/>
+        <p14:creationId xmlns:p14="http://schemas.microsoft.com/office/powerpoint/2010/main" val="2479623450"/>
       </p:ext>
     </p:extLst>
   </p:cSld>
@@ -5655,7 +5685,7 @@
     </p:spTree>
     <p:extLst>
       <p:ext uri="{BB962C8B-B14F-4D97-AF65-F5344CB8AC3E}">
-        <p14:creationId xmlns:p14="http://schemas.microsoft.com/office/powerpoint/2010/main" xmlns="" val="290135981"/>
+        <p14:creationId xmlns:p14="http://schemas.microsoft.com/office/powerpoint/2010/main" val="290135981"/>
       </p:ext>
     </p:extLst>
   </p:cSld>
@@ -5927,7 +5957,7 @@
   <a:extraClrSchemeLst/>
   <a:extLst>
     <a:ext uri="{05A4C25C-085E-4340-85A3-A5531E510DB2}">
-      <thm15:themeFamily xmlns:thm15="http://schemas.microsoft.com/office/thememl/2012/main" xmlns="" name="Office Theme" id="{62F939B6-93AF-4DB8-9C6B-D6C7DFDC589F}" vid="{4A3C46E8-61CC-4603-A589-7422A47A8E4A}"/>
+      <thm15:themeFamily xmlns:thm15="http://schemas.microsoft.com/office/thememl/2012/main" name="Office Theme" id="{62F939B6-93AF-4DB8-9C6B-D6C7DFDC589F}" vid="{4A3C46E8-61CC-4603-A589-7422A47A8E4A}"/>
     </a:ext>
   </a:extLst>
 </a:theme>
